--- a/final_product/slides.pptx
+++ b/final_product/slides.pptx
@@ -6,9 +6,6 @@
   </p:sldMasterIdLst>
   <p:sldIdLst>
     <p:sldId id="256" r:id="rId2"/>
-    <p:sldId id="257" r:id="rId3"/>
-    <p:sldId id="258" r:id="rId4"/>
-    <p:sldId id="259" r:id="rId5"/>
   </p:sldIdLst>
   <p:sldSz cx="12192000" cy="6858000"/>
   <p:notesSz cx="6858000" cy="9144000"/>
@@ -132,7 +129,7 @@
           <p:cNvPr id="2" name="Title 1">
             <a:extLst>
               <a:ext uri="{FF2B5EF4-FFF2-40B4-BE49-F238E27FC236}">
-                <a16:creationId xmlns:a16="http://schemas.microsoft.com/office/drawing/2014/main" id="{71721CD9-A1AF-5098-E0AD-C32895F27F0B}"/>
+                <a16:creationId xmlns:a16="http://schemas.microsoft.com/office/drawing/2014/main" id="{C6A6B6AF-EA23-4144-8912-1BB50A67247F}"/>
               </a:ext>
             </a:extLst>
           </p:cNvPr>
@@ -158,9 +155,10 @@
           </a:lstStyle>
           <a:p>
             <a:r>
-              <a:rPr lang="en-US"/>
+              <a:rPr lang="en-GB"/>
               <a:t>Click to edit Master title style</a:t>
             </a:r>
+            <a:endParaRPr lang="en-US"/>
           </a:p>
         </p:txBody>
       </p:sp>
@@ -169,7 +167,7 @@
           <p:cNvPr id="3" name="Subtitle 2">
             <a:extLst>
               <a:ext uri="{FF2B5EF4-FFF2-40B4-BE49-F238E27FC236}">
-                <a16:creationId xmlns:a16="http://schemas.microsoft.com/office/drawing/2014/main" id="{E4ED7E74-89C9-B075-9112-ADBCC9B7E49F}"/>
+                <a16:creationId xmlns:a16="http://schemas.microsoft.com/office/drawing/2014/main" id="{16FC0668-C989-C947-84AC-C5F0DFD5544A}"/>
               </a:ext>
             </a:extLst>
           </p:cNvPr>
@@ -228,9 +226,10 @@
           </a:lstStyle>
           <a:p>
             <a:r>
-              <a:rPr lang="en-US"/>
+              <a:rPr lang="en-GB"/>
               <a:t>Click to edit Master subtitle style</a:t>
             </a:r>
+            <a:endParaRPr lang="en-US"/>
           </a:p>
         </p:txBody>
       </p:sp>
@@ -239,7 +238,7 @@
           <p:cNvPr id="4" name="Date Placeholder 3">
             <a:extLst>
               <a:ext uri="{FF2B5EF4-FFF2-40B4-BE49-F238E27FC236}">
-                <a16:creationId xmlns:a16="http://schemas.microsoft.com/office/drawing/2014/main" id="{03AB8FBF-8286-832C-7833-4F453AD289D8}"/>
+                <a16:creationId xmlns:a16="http://schemas.microsoft.com/office/drawing/2014/main" id="{B9D58FE5-7212-0D4D-B6EF-F56C14A75BED}"/>
               </a:ext>
             </a:extLst>
           </p:cNvPr>
@@ -255,9 +254,9 @@
           <a:bodyPr/>
           <a:lstStyle/>
           <a:p>
-            <a:fld id="{CFE8C9D5-A136-D643-B27F-B854798CC265}" type="datetimeFigureOut">
+            <a:fld id="{931BED74-9276-9149-8172-EA45C7599BD3}" type="datetimeFigureOut">
               <a:rPr lang="en-US" smtClean="0"/>
-              <a:t>11/1/22</a:t>
+              <a:t>11/5/22</a:t>
             </a:fld>
             <a:endParaRPr lang="en-US"/>
           </a:p>
@@ -268,7 +267,7 @@
           <p:cNvPr id="5" name="Footer Placeholder 4">
             <a:extLst>
               <a:ext uri="{FF2B5EF4-FFF2-40B4-BE49-F238E27FC236}">
-                <a16:creationId xmlns:a16="http://schemas.microsoft.com/office/drawing/2014/main" id="{89C0394B-6BD8-CACC-FD98-DE32EC05C26C}"/>
+                <a16:creationId xmlns:a16="http://schemas.microsoft.com/office/drawing/2014/main" id="{D257101C-5509-804A-830B-082323D6CE9D}"/>
               </a:ext>
             </a:extLst>
           </p:cNvPr>
@@ -293,7 +292,7 @@
           <p:cNvPr id="6" name="Slide Number Placeholder 5">
             <a:extLst>
               <a:ext uri="{FF2B5EF4-FFF2-40B4-BE49-F238E27FC236}">
-                <a16:creationId xmlns:a16="http://schemas.microsoft.com/office/drawing/2014/main" id="{9C962DBD-B592-10A4-E966-0D338CA1FBC3}"/>
+                <a16:creationId xmlns:a16="http://schemas.microsoft.com/office/drawing/2014/main" id="{419D1D5A-E92E-D54C-80D4-E167FD649B00}"/>
               </a:ext>
             </a:extLst>
           </p:cNvPr>
@@ -309,7 +308,7 @@
           <a:bodyPr/>
           <a:lstStyle/>
           <a:p>
-            <a:fld id="{8F1BFA94-FB45-E145-ACD0-D23792970B10}" type="slidenum">
+            <a:fld id="{504EF24B-EEF1-4C4D-BCD2-4D72245D0C16}" type="slidenum">
               <a:rPr lang="en-US" smtClean="0"/>
               <a:t>‹#›</a:t>
             </a:fld>
@@ -320,7 +319,7 @@
     </p:spTree>
     <p:extLst>
       <p:ext uri="{BB962C8B-B14F-4D97-AF65-F5344CB8AC3E}">
-        <p14:creationId xmlns:p14="http://schemas.microsoft.com/office/powerpoint/2010/main" val="4208220861"/>
+        <p14:creationId xmlns:p14="http://schemas.microsoft.com/office/powerpoint/2010/main" val="3087964999"/>
       </p:ext>
     </p:extLst>
   </p:cSld>
@@ -352,7 +351,7 @@
           <p:cNvPr id="2" name="Title 1">
             <a:extLst>
               <a:ext uri="{FF2B5EF4-FFF2-40B4-BE49-F238E27FC236}">
-                <a16:creationId xmlns:a16="http://schemas.microsoft.com/office/drawing/2014/main" id="{73E1A5E5-7BD2-5EE1-1EB3-13A118AA89D1}"/>
+                <a16:creationId xmlns:a16="http://schemas.microsoft.com/office/drawing/2014/main" id="{E4B89F32-915E-1E43-A31C-DD17FF4FA3B7}"/>
               </a:ext>
             </a:extLst>
           </p:cNvPr>
@@ -369,9 +368,10 @@
           <a:lstStyle/>
           <a:p>
             <a:r>
-              <a:rPr lang="en-US"/>
+              <a:rPr lang="en-GB"/>
               <a:t>Click to edit Master title style</a:t>
             </a:r>
+            <a:endParaRPr lang="en-US"/>
           </a:p>
         </p:txBody>
       </p:sp>
@@ -380,7 +380,7 @@
           <p:cNvPr id="3" name="Vertical Text Placeholder 2">
             <a:extLst>
               <a:ext uri="{FF2B5EF4-FFF2-40B4-BE49-F238E27FC236}">
-                <a16:creationId xmlns:a16="http://schemas.microsoft.com/office/drawing/2014/main" id="{1AC70F07-4C0B-B3CC-F115-6B4E157F4EDA}"/>
+                <a16:creationId xmlns:a16="http://schemas.microsoft.com/office/drawing/2014/main" id="{FE0BC4B1-DD8F-8441-9129-50E0A70BD0DC}"/>
               </a:ext>
             </a:extLst>
           </p:cNvPr>
@@ -398,37 +398,38 @@
           <a:p>
             <a:pPr lvl="0"/>
             <a:r>
-              <a:rPr lang="en-US"/>
+              <a:rPr lang="en-GB"/>
               <a:t>Click to edit Master text styles</a:t>
             </a:r>
           </a:p>
           <a:p>
             <a:pPr lvl="1"/>
             <a:r>
-              <a:rPr lang="en-US"/>
+              <a:rPr lang="en-GB"/>
               <a:t>Second level</a:t>
             </a:r>
           </a:p>
           <a:p>
             <a:pPr lvl="2"/>
             <a:r>
-              <a:rPr lang="en-US"/>
+              <a:rPr lang="en-GB"/>
               <a:t>Third level</a:t>
             </a:r>
           </a:p>
           <a:p>
             <a:pPr lvl="3"/>
             <a:r>
-              <a:rPr lang="en-US"/>
+              <a:rPr lang="en-GB"/>
               <a:t>Fourth level</a:t>
             </a:r>
           </a:p>
           <a:p>
             <a:pPr lvl="4"/>
             <a:r>
-              <a:rPr lang="en-US"/>
+              <a:rPr lang="en-GB"/>
               <a:t>Fifth level</a:t>
             </a:r>
+            <a:endParaRPr lang="en-US"/>
           </a:p>
         </p:txBody>
       </p:sp>
@@ -437,7 +438,7 @@
           <p:cNvPr id="4" name="Date Placeholder 3">
             <a:extLst>
               <a:ext uri="{FF2B5EF4-FFF2-40B4-BE49-F238E27FC236}">
-                <a16:creationId xmlns:a16="http://schemas.microsoft.com/office/drawing/2014/main" id="{1DD11A32-4DA8-15F3-295D-45EEC0F5CAE1}"/>
+                <a16:creationId xmlns:a16="http://schemas.microsoft.com/office/drawing/2014/main" id="{3436CEE5-6F23-2147-AA1C-54B874C84EFB}"/>
               </a:ext>
             </a:extLst>
           </p:cNvPr>
@@ -453,9 +454,9 @@
           <a:bodyPr/>
           <a:lstStyle/>
           <a:p>
-            <a:fld id="{CFE8C9D5-A136-D643-B27F-B854798CC265}" type="datetimeFigureOut">
+            <a:fld id="{931BED74-9276-9149-8172-EA45C7599BD3}" type="datetimeFigureOut">
               <a:rPr lang="en-US" smtClean="0"/>
-              <a:t>11/1/22</a:t>
+              <a:t>11/5/22</a:t>
             </a:fld>
             <a:endParaRPr lang="en-US"/>
           </a:p>
@@ -466,7 +467,7 @@
           <p:cNvPr id="5" name="Footer Placeholder 4">
             <a:extLst>
               <a:ext uri="{FF2B5EF4-FFF2-40B4-BE49-F238E27FC236}">
-                <a16:creationId xmlns:a16="http://schemas.microsoft.com/office/drawing/2014/main" id="{47F6003F-3EA6-325A-A648-B3969E5909FF}"/>
+                <a16:creationId xmlns:a16="http://schemas.microsoft.com/office/drawing/2014/main" id="{34DDED6E-774E-DA49-8A65-73FA80B72E46}"/>
               </a:ext>
             </a:extLst>
           </p:cNvPr>
@@ -491,7 +492,7 @@
           <p:cNvPr id="6" name="Slide Number Placeholder 5">
             <a:extLst>
               <a:ext uri="{FF2B5EF4-FFF2-40B4-BE49-F238E27FC236}">
-                <a16:creationId xmlns:a16="http://schemas.microsoft.com/office/drawing/2014/main" id="{947B8D7E-BCD7-EA58-E3F3-4E90045FD45F}"/>
+                <a16:creationId xmlns:a16="http://schemas.microsoft.com/office/drawing/2014/main" id="{0629D92B-10F8-2C4A-9160-A0E132F29FEF}"/>
               </a:ext>
             </a:extLst>
           </p:cNvPr>
@@ -507,7 +508,7 @@
           <a:bodyPr/>
           <a:lstStyle/>
           <a:p>
-            <a:fld id="{8F1BFA94-FB45-E145-ACD0-D23792970B10}" type="slidenum">
+            <a:fld id="{504EF24B-EEF1-4C4D-BCD2-4D72245D0C16}" type="slidenum">
               <a:rPr lang="en-US" smtClean="0"/>
               <a:t>‹#›</a:t>
             </a:fld>
@@ -518,7 +519,7 @@
     </p:spTree>
     <p:extLst>
       <p:ext uri="{BB962C8B-B14F-4D97-AF65-F5344CB8AC3E}">
-        <p14:creationId xmlns:p14="http://schemas.microsoft.com/office/powerpoint/2010/main" val="462911225"/>
+        <p14:creationId xmlns:p14="http://schemas.microsoft.com/office/powerpoint/2010/main" val="433999574"/>
       </p:ext>
     </p:extLst>
   </p:cSld>
@@ -550,7 +551,7 @@
           <p:cNvPr id="2" name="Vertical Title 1">
             <a:extLst>
               <a:ext uri="{FF2B5EF4-FFF2-40B4-BE49-F238E27FC236}">
-                <a16:creationId xmlns:a16="http://schemas.microsoft.com/office/drawing/2014/main" id="{C23A71BE-2A20-825E-F857-C78C209871A9}"/>
+                <a16:creationId xmlns:a16="http://schemas.microsoft.com/office/drawing/2014/main" id="{5794F047-3E84-3545-A628-9454C881CBDD}"/>
               </a:ext>
             </a:extLst>
           </p:cNvPr>
@@ -572,9 +573,10 @@
           <a:lstStyle/>
           <a:p>
             <a:r>
-              <a:rPr lang="en-US"/>
+              <a:rPr lang="en-GB"/>
               <a:t>Click to edit Master title style</a:t>
             </a:r>
+            <a:endParaRPr lang="en-US"/>
           </a:p>
         </p:txBody>
       </p:sp>
@@ -583,7 +585,7 @@
           <p:cNvPr id="3" name="Vertical Text Placeholder 2">
             <a:extLst>
               <a:ext uri="{FF2B5EF4-FFF2-40B4-BE49-F238E27FC236}">
-                <a16:creationId xmlns:a16="http://schemas.microsoft.com/office/drawing/2014/main" id="{A85103BE-4DEE-5777-A6D7-A78550A360AE}"/>
+                <a16:creationId xmlns:a16="http://schemas.microsoft.com/office/drawing/2014/main" id="{9FD94D7E-5BA6-334D-B913-A3F584DDFE0D}"/>
               </a:ext>
             </a:extLst>
           </p:cNvPr>
@@ -606,37 +608,38 @@
           <a:p>
             <a:pPr lvl="0"/>
             <a:r>
-              <a:rPr lang="en-US"/>
+              <a:rPr lang="en-GB"/>
               <a:t>Click to edit Master text styles</a:t>
             </a:r>
           </a:p>
           <a:p>
             <a:pPr lvl="1"/>
             <a:r>
-              <a:rPr lang="en-US"/>
+              <a:rPr lang="en-GB"/>
               <a:t>Second level</a:t>
             </a:r>
           </a:p>
           <a:p>
             <a:pPr lvl="2"/>
             <a:r>
-              <a:rPr lang="en-US"/>
+              <a:rPr lang="en-GB"/>
               <a:t>Third level</a:t>
             </a:r>
           </a:p>
           <a:p>
             <a:pPr lvl="3"/>
             <a:r>
-              <a:rPr lang="en-US"/>
+              <a:rPr lang="en-GB"/>
               <a:t>Fourth level</a:t>
             </a:r>
           </a:p>
           <a:p>
             <a:pPr lvl="4"/>
             <a:r>
-              <a:rPr lang="en-US"/>
+              <a:rPr lang="en-GB"/>
               <a:t>Fifth level</a:t>
             </a:r>
+            <a:endParaRPr lang="en-US"/>
           </a:p>
         </p:txBody>
       </p:sp>
@@ -645,7 +648,7 @@
           <p:cNvPr id="4" name="Date Placeholder 3">
             <a:extLst>
               <a:ext uri="{FF2B5EF4-FFF2-40B4-BE49-F238E27FC236}">
-                <a16:creationId xmlns:a16="http://schemas.microsoft.com/office/drawing/2014/main" id="{86491EDE-45D7-FDE7-8123-B1594138C56D}"/>
+                <a16:creationId xmlns:a16="http://schemas.microsoft.com/office/drawing/2014/main" id="{8D13AA31-3A2B-A74E-BF3C-995876A51BB8}"/>
               </a:ext>
             </a:extLst>
           </p:cNvPr>
@@ -661,9 +664,9 @@
           <a:bodyPr/>
           <a:lstStyle/>
           <a:p>
-            <a:fld id="{CFE8C9D5-A136-D643-B27F-B854798CC265}" type="datetimeFigureOut">
+            <a:fld id="{931BED74-9276-9149-8172-EA45C7599BD3}" type="datetimeFigureOut">
               <a:rPr lang="en-US" smtClean="0"/>
-              <a:t>11/1/22</a:t>
+              <a:t>11/5/22</a:t>
             </a:fld>
             <a:endParaRPr lang="en-US"/>
           </a:p>
@@ -674,7 +677,7 @@
           <p:cNvPr id="5" name="Footer Placeholder 4">
             <a:extLst>
               <a:ext uri="{FF2B5EF4-FFF2-40B4-BE49-F238E27FC236}">
-                <a16:creationId xmlns:a16="http://schemas.microsoft.com/office/drawing/2014/main" id="{FD0CEE17-6637-41D4-A4FA-DDC39AC4E288}"/>
+                <a16:creationId xmlns:a16="http://schemas.microsoft.com/office/drawing/2014/main" id="{78C0B029-5DE9-8345-9DFD-A4DE3ED94FFD}"/>
               </a:ext>
             </a:extLst>
           </p:cNvPr>
@@ -699,7 +702,7 @@
           <p:cNvPr id="6" name="Slide Number Placeholder 5">
             <a:extLst>
               <a:ext uri="{FF2B5EF4-FFF2-40B4-BE49-F238E27FC236}">
-                <a16:creationId xmlns:a16="http://schemas.microsoft.com/office/drawing/2014/main" id="{4EC88108-BC54-FEA8-AF20-2D24B5DFAD23}"/>
+                <a16:creationId xmlns:a16="http://schemas.microsoft.com/office/drawing/2014/main" id="{7E812D84-A7E8-E646-AAC3-4A180F12385B}"/>
               </a:ext>
             </a:extLst>
           </p:cNvPr>
@@ -715,7 +718,7 @@
           <a:bodyPr/>
           <a:lstStyle/>
           <a:p>
-            <a:fld id="{8F1BFA94-FB45-E145-ACD0-D23792970B10}" type="slidenum">
+            <a:fld id="{504EF24B-EEF1-4C4D-BCD2-4D72245D0C16}" type="slidenum">
               <a:rPr lang="en-US" smtClean="0"/>
               <a:t>‹#›</a:t>
             </a:fld>
@@ -726,7 +729,7 @@
     </p:spTree>
     <p:extLst>
       <p:ext uri="{BB962C8B-B14F-4D97-AF65-F5344CB8AC3E}">
-        <p14:creationId xmlns:p14="http://schemas.microsoft.com/office/powerpoint/2010/main" val="2301965232"/>
+        <p14:creationId xmlns:p14="http://schemas.microsoft.com/office/powerpoint/2010/main" val="1142815393"/>
       </p:ext>
     </p:extLst>
   </p:cSld>
@@ -758,7 +761,7 @@
           <p:cNvPr id="2" name="Title 1">
             <a:extLst>
               <a:ext uri="{FF2B5EF4-FFF2-40B4-BE49-F238E27FC236}">
-                <a16:creationId xmlns:a16="http://schemas.microsoft.com/office/drawing/2014/main" id="{2C54AB0A-33E3-342F-8638-62208967E1EC}"/>
+                <a16:creationId xmlns:a16="http://schemas.microsoft.com/office/drawing/2014/main" id="{17191484-FD7B-8241-B0AB-614CA72312F7}"/>
               </a:ext>
             </a:extLst>
           </p:cNvPr>
@@ -775,9 +778,10 @@
           <a:lstStyle/>
           <a:p>
             <a:r>
-              <a:rPr lang="en-US"/>
+              <a:rPr lang="en-GB"/>
               <a:t>Click to edit Master title style</a:t>
             </a:r>
+            <a:endParaRPr lang="en-US"/>
           </a:p>
         </p:txBody>
       </p:sp>
@@ -786,7 +790,7 @@
           <p:cNvPr id="3" name="Content Placeholder 2">
             <a:extLst>
               <a:ext uri="{FF2B5EF4-FFF2-40B4-BE49-F238E27FC236}">
-                <a16:creationId xmlns:a16="http://schemas.microsoft.com/office/drawing/2014/main" id="{05E0A2B8-615D-33F4-6BA0-EAFEA5A1997E}"/>
+                <a16:creationId xmlns:a16="http://schemas.microsoft.com/office/drawing/2014/main" id="{39E6E1F2-FC4D-714C-9E1B-A9E75F186EEB}"/>
               </a:ext>
             </a:extLst>
           </p:cNvPr>
@@ -804,37 +808,38 @@
           <a:p>
             <a:pPr lvl="0"/>
             <a:r>
-              <a:rPr lang="en-US"/>
+              <a:rPr lang="en-GB"/>
               <a:t>Click to edit Master text styles</a:t>
             </a:r>
           </a:p>
           <a:p>
             <a:pPr lvl="1"/>
             <a:r>
-              <a:rPr lang="en-US"/>
+              <a:rPr lang="en-GB"/>
               <a:t>Second level</a:t>
             </a:r>
           </a:p>
           <a:p>
             <a:pPr lvl="2"/>
             <a:r>
-              <a:rPr lang="en-US"/>
+              <a:rPr lang="en-GB"/>
               <a:t>Third level</a:t>
             </a:r>
           </a:p>
           <a:p>
             <a:pPr lvl="3"/>
             <a:r>
-              <a:rPr lang="en-US"/>
+              <a:rPr lang="en-GB"/>
               <a:t>Fourth level</a:t>
             </a:r>
           </a:p>
           <a:p>
             <a:pPr lvl="4"/>
             <a:r>
-              <a:rPr lang="en-US"/>
+              <a:rPr lang="en-GB"/>
               <a:t>Fifth level</a:t>
             </a:r>
+            <a:endParaRPr lang="en-US"/>
           </a:p>
         </p:txBody>
       </p:sp>
@@ -843,7 +848,7 @@
           <p:cNvPr id="4" name="Date Placeholder 3">
             <a:extLst>
               <a:ext uri="{FF2B5EF4-FFF2-40B4-BE49-F238E27FC236}">
-                <a16:creationId xmlns:a16="http://schemas.microsoft.com/office/drawing/2014/main" id="{8E9711AF-CD47-E8A8-6FC4-F68633A288ED}"/>
+                <a16:creationId xmlns:a16="http://schemas.microsoft.com/office/drawing/2014/main" id="{E0E64708-E233-9E4E-B3AF-21E4EC6D6750}"/>
               </a:ext>
             </a:extLst>
           </p:cNvPr>
@@ -859,9 +864,9 @@
           <a:bodyPr/>
           <a:lstStyle/>
           <a:p>
-            <a:fld id="{CFE8C9D5-A136-D643-B27F-B854798CC265}" type="datetimeFigureOut">
+            <a:fld id="{931BED74-9276-9149-8172-EA45C7599BD3}" type="datetimeFigureOut">
               <a:rPr lang="en-US" smtClean="0"/>
-              <a:t>11/1/22</a:t>
+              <a:t>11/5/22</a:t>
             </a:fld>
             <a:endParaRPr lang="en-US"/>
           </a:p>
@@ -872,7 +877,7 @@
           <p:cNvPr id="5" name="Footer Placeholder 4">
             <a:extLst>
               <a:ext uri="{FF2B5EF4-FFF2-40B4-BE49-F238E27FC236}">
-                <a16:creationId xmlns:a16="http://schemas.microsoft.com/office/drawing/2014/main" id="{765EF8F1-A5F3-C3B3-8951-2460D14FCE6E}"/>
+                <a16:creationId xmlns:a16="http://schemas.microsoft.com/office/drawing/2014/main" id="{9A44B352-7885-F448-9CCC-F02155CFD0E5}"/>
               </a:ext>
             </a:extLst>
           </p:cNvPr>
@@ -897,7 +902,7 @@
           <p:cNvPr id="6" name="Slide Number Placeholder 5">
             <a:extLst>
               <a:ext uri="{FF2B5EF4-FFF2-40B4-BE49-F238E27FC236}">
-                <a16:creationId xmlns:a16="http://schemas.microsoft.com/office/drawing/2014/main" id="{F1CEE718-F08A-8664-A06F-58DEF282C4BA}"/>
+                <a16:creationId xmlns:a16="http://schemas.microsoft.com/office/drawing/2014/main" id="{9400F0C7-2EA2-B042-8EDA-931CFBA1F87F}"/>
               </a:ext>
             </a:extLst>
           </p:cNvPr>
@@ -913,7 +918,7 @@
           <a:bodyPr/>
           <a:lstStyle/>
           <a:p>
-            <a:fld id="{8F1BFA94-FB45-E145-ACD0-D23792970B10}" type="slidenum">
+            <a:fld id="{504EF24B-EEF1-4C4D-BCD2-4D72245D0C16}" type="slidenum">
               <a:rPr lang="en-US" smtClean="0"/>
               <a:t>‹#›</a:t>
             </a:fld>
@@ -924,7 +929,7 @@
     </p:spTree>
     <p:extLst>
       <p:ext uri="{BB962C8B-B14F-4D97-AF65-F5344CB8AC3E}">
-        <p14:creationId xmlns:p14="http://schemas.microsoft.com/office/powerpoint/2010/main" val="3641218754"/>
+        <p14:creationId xmlns:p14="http://schemas.microsoft.com/office/powerpoint/2010/main" val="1750570275"/>
       </p:ext>
     </p:extLst>
   </p:cSld>
@@ -956,7 +961,7 @@
           <p:cNvPr id="2" name="Title 1">
             <a:extLst>
               <a:ext uri="{FF2B5EF4-FFF2-40B4-BE49-F238E27FC236}">
-                <a16:creationId xmlns:a16="http://schemas.microsoft.com/office/drawing/2014/main" id="{88321F72-4F6B-380F-7343-144FB72699B9}"/>
+                <a16:creationId xmlns:a16="http://schemas.microsoft.com/office/drawing/2014/main" id="{3C9834A5-7DEA-DE43-B104-4BA0EF43A383}"/>
               </a:ext>
             </a:extLst>
           </p:cNvPr>
@@ -982,9 +987,10 @@
           </a:lstStyle>
           <a:p>
             <a:r>
-              <a:rPr lang="en-US"/>
+              <a:rPr lang="en-GB"/>
               <a:t>Click to edit Master title style</a:t>
             </a:r>
+            <a:endParaRPr lang="en-US"/>
           </a:p>
         </p:txBody>
       </p:sp>
@@ -993,7 +999,7 @@
           <p:cNvPr id="3" name="Text Placeholder 2">
             <a:extLst>
               <a:ext uri="{FF2B5EF4-FFF2-40B4-BE49-F238E27FC236}">
-                <a16:creationId xmlns:a16="http://schemas.microsoft.com/office/drawing/2014/main" id="{C0080E44-F1B3-CF92-E4C1-469359F6A375}"/>
+                <a16:creationId xmlns:a16="http://schemas.microsoft.com/office/drawing/2014/main" id="{B1CD31A1-924C-BB4A-AADB-9DEC59CA0C18}"/>
               </a:ext>
             </a:extLst>
           </p:cNvPr>
@@ -1107,7 +1113,7 @@
           <a:p>
             <a:pPr lvl="0"/>
             <a:r>
-              <a:rPr lang="en-US"/>
+              <a:rPr lang="en-GB"/>
               <a:t>Click to edit Master text styles</a:t>
             </a:r>
           </a:p>
@@ -1118,7 +1124,7 @@
           <p:cNvPr id="4" name="Date Placeholder 3">
             <a:extLst>
               <a:ext uri="{FF2B5EF4-FFF2-40B4-BE49-F238E27FC236}">
-                <a16:creationId xmlns:a16="http://schemas.microsoft.com/office/drawing/2014/main" id="{49BF16EA-DECB-E3DD-7A9F-8EF65CF5FFB9}"/>
+                <a16:creationId xmlns:a16="http://schemas.microsoft.com/office/drawing/2014/main" id="{5F75FCDE-A3CE-2640-B25E-D341AD0B9C92}"/>
               </a:ext>
             </a:extLst>
           </p:cNvPr>
@@ -1134,9 +1140,9 @@
           <a:bodyPr/>
           <a:lstStyle/>
           <a:p>
-            <a:fld id="{CFE8C9D5-A136-D643-B27F-B854798CC265}" type="datetimeFigureOut">
+            <a:fld id="{931BED74-9276-9149-8172-EA45C7599BD3}" type="datetimeFigureOut">
               <a:rPr lang="en-US" smtClean="0"/>
-              <a:t>11/1/22</a:t>
+              <a:t>11/5/22</a:t>
             </a:fld>
             <a:endParaRPr lang="en-US"/>
           </a:p>
@@ -1147,7 +1153,7 @@
           <p:cNvPr id="5" name="Footer Placeholder 4">
             <a:extLst>
               <a:ext uri="{FF2B5EF4-FFF2-40B4-BE49-F238E27FC236}">
-                <a16:creationId xmlns:a16="http://schemas.microsoft.com/office/drawing/2014/main" id="{D8523038-1067-ADE2-69EB-BC5B85F6184C}"/>
+                <a16:creationId xmlns:a16="http://schemas.microsoft.com/office/drawing/2014/main" id="{0521B692-45ED-0841-9C37-CCF9F33D5C60}"/>
               </a:ext>
             </a:extLst>
           </p:cNvPr>
@@ -1172,7 +1178,7 @@
           <p:cNvPr id="6" name="Slide Number Placeholder 5">
             <a:extLst>
               <a:ext uri="{FF2B5EF4-FFF2-40B4-BE49-F238E27FC236}">
-                <a16:creationId xmlns:a16="http://schemas.microsoft.com/office/drawing/2014/main" id="{7AFEC6D8-D6A5-5CFC-5B24-219D68141AB9}"/>
+                <a16:creationId xmlns:a16="http://schemas.microsoft.com/office/drawing/2014/main" id="{42E5C85B-85B3-AF45-B438-EE7BCF713BFB}"/>
               </a:ext>
             </a:extLst>
           </p:cNvPr>
@@ -1188,7 +1194,7 @@
           <a:bodyPr/>
           <a:lstStyle/>
           <a:p>
-            <a:fld id="{8F1BFA94-FB45-E145-ACD0-D23792970B10}" type="slidenum">
+            <a:fld id="{504EF24B-EEF1-4C4D-BCD2-4D72245D0C16}" type="slidenum">
               <a:rPr lang="en-US" smtClean="0"/>
               <a:t>‹#›</a:t>
             </a:fld>
@@ -1199,7 +1205,7 @@
     </p:spTree>
     <p:extLst>
       <p:ext uri="{BB962C8B-B14F-4D97-AF65-F5344CB8AC3E}">
-        <p14:creationId xmlns:p14="http://schemas.microsoft.com/office/powerpoint/2010/main" val="330603666"/>
+        <p14:creationId xmlns:p14="http://schemas.microsoft.com/office/powerpoint/2010/main" val="3282224420"/>
       </p:ext>
     </p:extLst>
   </p:cSld>
@@ -1231,7 +1237,7 @@
           <p:cNvPr id="2" name="Title 1">
             <a:extLst>
               <a:ext uri="{FF2B5EF4-FFF2-40B4-BE49-F238E27FC236}">
-                <a16:creationId xmlns:a16="http://schemas.microsoft.com/office/drawing/2014/main" id="{3BD10B52-CACD-015E-8BDE-175C48BCE97E}"/>
+                <a16:creationId xmlns:a16="http://schemas.microsoft.com/office/drawing/2014/main" id="{C39C6100-9ABC-5C4F-A268-C714C7C6E315}"/>
               </a:ext>
             </a:extLst>
           </p:cNvPr>
@@ -1248,9 +1254,10 @@
           <a:lstStyle/>
           <a:p>
             <a:r>
-              <a:rPr lang="en-US"/>
+              <a:rPr lang="en-GB"/>
               <a:t>Click to edit Master title style</a:t>
             </a:r>
+            <a:endParaRPr lang="en-US"/>
           </a:p>
         </p:txBody>
       </p:sp>
@@ -1259,7 +1266,7 @@
           <p:cNvPr id="3" name="Content Placeholder 2">
             <a:extLst>
               <a:ext uri="{FF2B5EF4-FFF2-40B4-BE49-F238E27FC236}">
-                <a16:creationId xmlns:a16="http://schemas.microsoft.com/office/drawing/2014/main" id="{B1FBAC71-8C8C-FE61-91F9-E0596C8F64C6}"/>
+                <a16:creationId xmlns:a16="http://schemas.microsoft.com/office/drawing/2014/main" id="{A39E15D7-B021-A944-82E6-F872ADC9B45A}"/>
               </a:ext>
             </a:extLst>
           </p:cNvPr>
@@ -1282,37 +1289,38 @@
           <a:p>
             <a:pPr lvl="0"/>
             <a:r>
-              <a:rPr lang="en-US"/>
+              <a:rPr lang="en-GB"/>
               <a:t>Click to edit Master text styles</a:t>
             </a:r>
           </a:p>
           <a:p>
             <a:pPr lvl="1"/>
             <a:r>
-              <a:rPr lang="en-US"/>
+              <a:rPr lang="en-GB"/>
               <a:t>Second level</a:t>
             </a:r>
           </a:p>
           <a:p>
             <a:pPr lvl="2"/>
             <a:r>
-              <a:rPr lang="en-US"/>
+              <a:rPr lang="en-GB"/>
               <a:t>Third level</a:t>
             </a:r>
           </a:p>
           <a:p>
             <a:pPr lvl="3"/>
             <a:r>
-              <a:rPr lang="en-US"/>
+              <a:rPr lang="en-GB"/>
               <a:t>Fourth level</a:t>
             </a:r>
           </a:p>
           <a:p>
             <a:pPr lvl="4"/>
             <a:r>
-              <a:rPr lang="en-US"/>
+              <a:rPr lang="en-GB"/>
               <a:t>Fifth level</a:t>
             </a:r>
+            <a:endParaRPr lang="en-US"/>
           </a:p>
         </p:txBody>
       </p:sp>
@@ -1321,7 +1329,7 @@
           <p:cNvPr id="4" name="Content Placeholder 3">
             <a:extLst>
               <a:ext uri="{FF2B5EF4-FFF2-40B4-BE49-F238E27FC236}">
-                <a16:creationId xmlns:a16="http://schemas.microsoft.com/office/drawing/2014/main" id="{02537E84-4EA5-65E8-14F2-C0C88D702E49}"/>
+                <a16:creationId xmlns:a16="http://schemas.microsoft.com/office/drawing/2014/main" id="{6BF1E95A-F4FC-2543-9A98-376BD2DE16F7}"/>
               </a:ext>
             </a:extLst>
           </p:cNvPr>
@@ -1344,37 +1352,38 @@
           <a:p>
             <a:pPr lvl="0"/>
             <a:r>
-              <a:rPr lang="en-US"/>
+              <a:rPr lang="en-GB"/>
               <a:t>Click to edit Master text styles</a:t>
             </a:r>
           </a:p>
           <a:p>
             <a:pPr lvl="1"/>
             <a:r>
-              <a:rPr lang="en-US"/>
+              <a:rPr lang="en-GB"/>
               <a:t>Second level</a:t>
             </a:r>
           </a:p>
           <a:p>
             <a:pPr lvl="2"/>
             <a:r>
-              <a:rPr lang="en-US"/>
+              <a:rPr lang="en-GB"/>
               <a:t>Third level</a:t>
             </a:r>
           </a:p>
           <a:p>
             <a:pPr lvl="3"/>
             <a:r>
-              <a:rPr lang="en-US"/>
+              <a:rPr lang="en-GB"/>
               <a:t>Fourth level</a:t>
             </a:r>
           </a:p>
           <a:p>
             <a:pPr lvl="4"/>
             <a:r>
-              <a:rPr lang="en-US"/>
+              <a:rPr lang="en-GB"/>
               <a:t>Fifth level</a:t>
             </a:r>
+            <a:endParaRPr lang="en-US"/>
           </a:p>
         </p:txBody>
       </p:sp>
@@ -1383,7 +1392,7 @@
           <p:cNvPr id="5" name="Date Placeholder 4">
             <a:extLst>
               <a:ext uri="{FF2B5EF4-FFF2-40B4-BE49-F238E27FC236}">
-                <a16:creationId xmlns:a16="http://schemas.microsoft.com/office/drawing/2014/main" id="{2943054C-C982-AB11-9D40-0D24A5314091}"/>
+                <a16:creationId xmlns:a16="http://schemas.microsoft.com/office/drawing/2014/main" id="{0E1C72FE-D6AC-1840-95EA-265ECD1F0DBF}"/>
               </a:ext>
             </a:extLst>
           </p:cNvPr>
@@ -1399,9 +1408,9 @@
           <a:bodyPr/>
           <a:lstStyle/>
           <a:p>
-            <a:fld id="{CFE8C9D5-A136-D643-B27F-B854798CC265}" type="datetimeFigureOut">
+            <a:fld id="{931BED74-9276-9149-8172-EA45C7599BD3}" type="datetimeFigureOut">
               <a:rPr lang="en-US" smtClean="0"/>
-              <a:t>11/1/22</a:t>
+              <a:t>11/5/22</a:t>
             </a:fld>
             <a:endParaRPr lang="en-US"/>
           </a:p>
@@ -1412,7 +1421,7 @@
           <p:cNvPr id="6" name="Footer Placeholder 5">
             <a:extLst>
               <a:ext uri="{FF2B5EF4-FFF2-40B4-BE49-F238E27FC236}">
-                <a16:creationId xmlns:a16="http://schemas.microsoft.com/office/drawing/2014/main" id="{16D5D048-B64A-EC62-AA47-A9AF57DC69A5}"/>
+                <a16:creationId xmlns:a16="http://schemas.microsoft.com/office/drawing/2014/main" id="{123FF192-85F4-284E-901F-6A4ABE4BEF1A}"/>
               </a:ext>
             </a:extLst>
           </p:cNvPr>
@@ -1437,7 +1446,7 @@
           <p:cNvPr id="7" name="Slide Number Placeholder 6">
             <a:extLst>
               <a:ext uri="{FF2B5EF4-FFF2-40B4-BE49-F238E27FC236}">
-                <a16:creationId xmlns:a16="http://schemas.microsoft.com/office/drawing/2014/main" id="{2F7F173F-40C9-6E11-DAA6-E9225F7FECAF}"/>
+                <a16:creationId xmlns:a16="http://schemas.microsoft.com/office/drawing/2014/main" id="{39537EA8-C64F-AE41-9C29-2D3AD53B3AC9}"/>
               </a:ext>
             </a:extLst>
           </p:cNvPr>
@@ -1453,7 +1462,7 @@
           <a:bodyPr/>
           <a:lstStyle/>
           <a:p>
-            <a:fld id="{8F1BFA94-FB45-E145-ACD0-D23792970B10}" type="slidenum">
+            <a:fld id="{504EF24B-EEF1-4C4D-BCD2-4D72245D0C16}" type="slidenum">
               <a:rPr lang="en-US" smtClean="0"/>
               <a:t>‹#›</a:t>
             </a:fld>
@@ -1464,7 +1473,7 @@
     </p:spTree>
     <p:extLst>
       <p:ext uri="{BB962C8B-B14F-4D97-AF65-F5344CB8AC3E}">
-        <p14:creationId xmlns:p14="http://schemas.microsoft.com/office/powerpoint/2010/main" val="4210708829"/>
+        <p14:creationId xmlns:p14="http://schemas.microsoft.com/office/powerpoint/2010/main" val="79225668"/>
       </p:ext>
     </p:extLst>
   </p:cSld>
@@ -1496,7 +1505,7 @@
           <p:cNvPr id="2" name="Title 1">
             <a:extLst>
               <a:ext uri="{FF2B5EF4-FFF2-40B4-BE49-F238E27FC236}">
-                <a16:creationId xmlns:a16="http://schemas.microsoft.com/office/drawing/2014/main" id="{42DCDC41-1D85-ED87-EEB4-3C2279BB7E5D}"/>
+                <a16:creationId xmlns:a16="http://schemas.microsoft.com/office/drawing/2014/main" id="{B85BF0C6-5893-3F47-A6DF-068B8EA6293D}"/>
               </a:ext>
             </a:extLst>
           </p:cNvPr>
@@ -1518,9 +1527,10 @@
           <a:lstStyle/>
           <a:p>
             <a:r>
-              <a:rPr lang="en-US"/>
+              <a:rPr lang="en-GB"/>
               <a:t>Click to edit Master title style</a:t>
             </a:r>
+            <a:endParaRPr lang="en-US"/>
           </a:p>
         </p:txBody>
       </p:sp>
@@ -1529,7 +1539,7 @@
           <p:cNvPr id="3" name="Text Placeholder 2">
             <a:extLst>
               <a:ext uri="{FF2B5EF4-FFF2-40B4-BE49-F238E27FC236}">
-                <a16:creationId xmlns:a16="http://schemas.microsoft.com/office/drawing/2014/main" id="{F0A58BF5-FD3F-3DE3-D45F-891A5F432A30}"/>
+                <a16:creationId xmlns:a16="http://schemas.microsoft.com/office/drawing/2014/main" id="{5A99F8F1-8D65-BE48-A4F9-41C234533DB2}"/>
               </a:ext>
             </a:extLst>
           </p:cNvPr>
@@ -1589,7 +1599,7 @@
           <a:p>
             <a:pPr lvl="0"/>
             <a:r>
-              <a:rPr lang="en-US"/>
+              <a:rPr lang="en-GB"/>
               <a:t>Click to edit Master text styles</a:t>
             </a:r>
           </a:p>
@@ -1600,7 +1610,7 @@
           <p:cNvPr id="4" name="Content Placeholder 3">
             <a:extLst>
               <a:ext uri="{FF2B5EF4-FFF2-40B4-BE49-F238E27FC236}">
-                <a16:creationId xmlns:a16="http://schemas.microsoft.com/office/drawing/2014/main" id="{3E4EA0EE-63BD-E324-D793-D80E49F9EF80}"/>
+                <a16:creationId xmlns:a16="http://schemas.microsoft.com/office/drawing/2014/main" id="{CCBDFAFD-E855-2E4E-B6A7-5211A53862E6}"/>
               </a:ext>
             </a:extLst>
           </p:cNvPr>
@@ -1623,37 +1633,38 @@
           <a:p>
             <a:pPr lvl="0"/>
             <a:r>
-              <a:rPr lang="en-US"/>
+              <a:rPr lang="en-GB"/>
               <a:t>Click to edit Master text styles</a:t>
             </a:r>
           </a:p>
           <a:p>
             <a:pPr lvl="1"/>
             <a:r>
-              <a:rPr lang="en-US"/>
+              <a:rPr lang="en-GB"/>
               <a:t>Second level</a:t>
             </a:r>
           </a:p>
           <a:p>
             <a:pPr lvl="2"/>
             <a:r>
-              <a:rPr lang="en-US"/>
+              <a:rPr lang="en-GB"/>
               <a:t>Third level</a:t>
             </a:r>
           </a:p>
           <a:p>
             <a:pPr lvl="3"/>
             <a:r>
-              <a:rPr lang="en-US"/>
+              <a:rPr lang="en-GB"/>
               <a:t>Fourth level</a:t>
             </a:r>
           </a:p>
           <a:p>
             <a:pPr lvl="4"/>
             <a:r>
-              <a:rPr lang="en-US"/>
+              <a:rPr lang="en-GB"/>
               <a:t>Fifth level</a:t>
             </a:r>
+            <a:endParaRPr lang="en-US"/>
           </a:p>
         </p:txBody>
       </p:sp>
@@ -1662,7 +1673,7 @@
           <p:cNvPr id="5" name="Text Placeholder 4">
             <a:extLst>
               <a:ext uri="{FF2B5EF4-FFF2-40B4-BE49-F238E27FC236}">
-                <a16:creationId xmlns:a16="http://schemas.microsoft.com/office/drawing/2014/main" id="{199D789F-6CB8-25C7-EA88-2C4115CF27DA}"/>
+                <a16:creationId xmlns:a16="http://schemas.microsoft.com/office/drawing/2014/main" id="{F67DF88F-74FA-4046-A50A-9B396C0C942F}"/>
               </a:ext>
             </a:extLst>
           </p:cNvPr>
@@ -1722,7 +1733,7 @@
           <a:p>
             <a:pPr lvl="0"/>
             <a:r>
-              <a:rPr lang="en-US"/>
+              <a:rPr lang="en-GB"/>
               <a:t>Click to edit Master text styles</a:t>
             </a:r>
           </a:p>
@@ -1733,7 +1744,7 @@
           <p:cNvPr id="6" name="Content Placeholder 5">
             <a:extLst>
               <a:ext uri="{FF2B5EF4-FFF2-40B4-BE49-F238E27FC236}">
-                <a16:creationId xmlns:a16="http://schemas.microsoft.com/office/drawing/2014/main" id="{3BD637F3-9CDB-DBBB-F220-E53B86F67A9C}"/>
+                <a16:creationId xmlns:a16="http://schemas.microsoft.com/office/drawing/2014/main" id="{67297073-C3AD-8A4A-BB27-06702FB52045}"/>
               </a:ext>
             </a:extLst>
           </p:cNvPr>
@@ -1756,37 +1767,38 @@
           <a:p>
             <a:pPr lvl="0"/>
             <a:r>
-              <a:rPr lang="en-US"/>
+              <a:rPr lang="en-GB"/>
               <a:t>Click to edit Master text styles</a:t>
             </a:r>
           </a:p>
           <a:p>
             <a:pPr lvl="1"/>
             <a:r>
-              <a:rPr lang="en-US"/>
+              <a:rPr lang="en-GB"/>
               <a:t>Second level</a:t>
             </a:r>
           </a:p>
           <a:p>
             <a:pPr lvl="2"/>
             <a:r>
-              <a:rPr lang="en-US"/>
+              <a:rPr lang="en-GB"/>
               <a:t>Third level</a:t>
             </a:r>
           </a:p>
           <a:p>
             <a:pPr lvl="3"/>
             <a:r>
-              <a:rPr lang="en-US"/>
+              <a:rPr lang="en-GB"/>
               <a:t>Fourth level</a:t>
             </a:r>
           </a:p>
           <a:p>
             <a:pPr lvl="4"/>
             <a:r>
-              <a:rPr lang="en-US"/>
+              <a:rPr lang="en-GB"/>
               <a:t>Fifth level</a:t>
             </a:r>
+            <a:endParaRPr lang="en-US"/>
           </a:p>
         </p:txBody>
       </p:sp>
@@ -1795,7 +1807,7 @@
           <p:cNvPr id="7" name="Date Placeholder 6">
             <a:extLst>
               <a:ext uri="{FF2B5EF4-FFF2-40B4-BE49-F238E27FC236}">
-                <a16:creationId xmlns:a16="http://schemas.microsoft.com/office/drawing/2014/main" id="{F7477871-CC95-2FF8-5BE6-8134DA1E809B}"/>
+                <a16:creationId xmlns:a16="http://schemas.microsoft.com/office/drawing/2014/main" id="{D2B16D5D-EC88-174C-BE0C-F7F46B602D33}"/>
               </a:ext>
             </a:extLst>
           </p:cNvPr>
@@ -1811,9 +1823,9 @@
           <a:bodyPr/>
           <a:lstStyle/>
           <a:p>
-            <a:fld id="{CFE8C9D5-A136-D643-B27F-B854798CC265}" type="datetimeFigureOut">
+            <a:fld id="{931BED74-9276-9149-8172-EA45C7599BD3}" type="datetimeFigureOut">
               <a:rPr lang="en-US" smtClean="0"/>
-              <a:t>11/1/22</a:t>
+              <a:t>11/5/22</a:t>
             </a:fld>
             <a:endParaRPr lang="en-US"/>
           </a:p>
@@ -1824,7 +1836,7 @@
           <p:cNvPr id="8" name="Footer Placeholder 7">
             <a:extLst>
               <a:ext uri="{FF2B5EF4-FFF2-40B4-BE49-F238E27FC236}">
-                <a16:creationId xmlns:a16="http://schemas.microsoft.com/office/drawing/2014/main" id="{6FE7BDA4-1D96-644F-160A-E8AEE2DF8712}"/>
+                <a16:creationId xmlns:a16="http://schemas.microsoft.com/office/drawing/2014/main" id="{E22B6F2E-836E-DF4F-B7FE-6DD1D37276E5}"/>
               </a:ext>
             </a:extLst>
           </p:cNvPr>
@@ -1849,7 +1861,7 @@
           <p:cNvPr id="9" name="Slide Number Placeholder 8">
             <a:extLst>
               <a:ext uri="{FF2B5EF4-FFF2-40B4-BE49-F238E27FC236}">
-                <a16:creationId xmlns:a16="http://schemas.microsoft.com/office/drawing/2014/main" id="{7B188938-EE6D-0C6C-54A7-59A810B7978F}"/>
+                <a16:creationId xmlns:a16="http://schemas.microsoft.com/office/drawing/2014/main" id="{ADBEA643-F04F-9A44-A0F0-07C387DB7F78}"/>
               </a:ext>
             </a:extLst>
           </p:cNvPr>
@@ -1865,7 +1877,7 @@
           <a:bodyPr/>
           <a:lstStyle/>
           <a:p>
-            <a:fld id="{8F1BFA94-FB45-E145-ACD0-D23792970B10}" type="slidenum">
+            <a:fld id="{504EF24B-EEF1-4C4D-BCD2-4D72245D0C16}" type="slidenum">
               <a:rPr lang="en-US" smtClean="0"/>
               <a:t>‹#›</a:t>
             </a:fld>
@@ -1876,7 +1888,7 @@
     </p:spTree>
     <p:extLst>
       <p:ext uri="{BB962C8B-B14F-4D97-AF65-F5344CB8AC3E}">
-        <p14:creationId xmlns:p14="http://schemas.microsoft.com/office/powerpoint/2010/main" val="2713271837"/>
+        <p14:creationId xmlns:p14="http://schemas.microsoft.com/office/powerpoint/2010/main" val="2835340983"/>
       </p:ext>
     </p:extLst>
   </p:cSld>
@@ -1908,7 +1920,7 @@
           <p:cNvPr id="2" name="Title 1">
             <a:extLst>
               <a:ext uri="{FF2B5EF4-FFF2-40B4-BE49-F238E27FC236}">
-                <a16:creationId xmlns:a16="http://schemas.microsoft.com/office/drawing/2014/main" id="{2824905F-6942-F225-9B02-214F3E575ECC}"/>
+                <a16:creationId xmlns:a16="http://schemas.microsoft.com/office/drawing/2014/main" id="{28074157-B0CB-6F49-8420-0A9704DD32BE}"/>
               </a:ext>
             </a:extLst>
           </p:cNvPr>
@@ -1925,9 +1937,10 @@
           <a:lstStyle/>
           <a:p>
             <a:r>
-              <a:rPr lang="en-US"/>
+              <a:rPr lang="en-GB"/>
               <a:t>Click to edit Master title style</a:t>
             </a:r>
+            <a:endParaRPr lang="en-US"/>
           </a:p>
         </p:txBody>
       </p:sp>
@@ -1936,7 +1949,7 @@
           <p:cNvPr id="3" name="Date Placeholder 2">
             <a:extLst>
               <a:ext uri="{FF2B5EF4-FFF2-40B4-BE49-F238E27FC236}">
-                <a16:creationId xmlns:a16="http://schemas.microsoft.com/office/drawing/2014/main" id="{260CC7B5-9FA7-C56A-E574-9AE8F222ED78}"/>
+                <a16:creationId xmlns:a16="http://schemas.microsoft.com/office/drawing/2014/main" id="{40EBBECF-BA30-2747-8783-B5B9F65AC622}"/>
               </a:ext>
             </a:extLst>
           </p:cNvPr>
@@ -1952,9 +1965,9 @@
           <a:bodyPr/>
           <a:lstStyle/>
           <a:p>
-            <a:fld id="{CFE8C9D5-A136-D643-B27F-B854798CC265}" type="datetimeFigureOut">
+            <a:fld id="{931BED74-9276-9149-8172-EA45C7599BD3}" type="datetimeFigureOut">
               <a:rPr lang="en-US" smtClean="0"/>
-              <a:t>11/1/22</a:t>
+              <a:t>11/5/22</a:t>
             </a:fld>
             <a:endParaRPr lang="en-US"/>
           </a:p>
@@ -1965,7 +1978,7 @@
           <p:cNvPr id="4" name="Footer Placeholder 3">
             <a:extLst>
               <a:ext uri="{FF2B5EF4-FFF2-40B4-BE49-F238E27FC236}">
-                <a16:creationId xmlns:a16="http://schemas.microsoft.com/office/drawing/2014/main" id="{DD0BBCBD-6C60-6ACA-05E2-3072A86BF17B}"/>
+                <a16:creationId xmlns:a16="http://schemas.microsoft.com/office/drawing/2014/main" id="{0251F901-12DE-FB4A-8C7E-59B902B2913F}"/>
               </a:ext>
             </a:extLst>
           </p:cNvPr>
@@ -1990,7 +2003,7 @@
           <p:cNvPr id="5" name="Slide Number Placeholder 4">
             <a:extLst>
               <a:ext uri="{FF2B5EF4-FFF2-40B4-BE49-F238E27FC236}">
-                <a16:creationId xmlns:a16="http://schemas.microsoft.com/office/drawing/2014/main" id="{113855F1-C901-AC4E-B345-11D3D9D1CC7E}"/>
+                <a16:creationId xmlns:a16="http://schemas.microsoft.com/office/drawing/2014/main" id="{E695465E-AF6E-2F46-8DDB-367934BBA3AF}"/>
               </a:ext>
             </a:extLst>
           </p:cNvPr>
@@ -2006,7 +2019,7 @@
           <a:bodyPr/>
           <a:lstStyle/>
           <a:p>
-            <a:fld id="{8F1BFA94-FB45-E145-ACD0-D23792970B10}" type="slidenum">
+            <a:fld id="{504EF24B-EEF1-4C4D-BCD2-4D72245D0C16}" type="slidenum">
               <a:rPr lang="en-US" smtClean="0"/>
               <a:t>‹#›</a:t>
             </a:fld>
@@ -2017,7 +2030,7 @@
     </p:spTree>
     <p:extLst>
       <p:ext uri="{BB962C8B-B14F-4D97-AF65-F5344CB8AC3E}">
-        <p14:creationId xmlns:p14="http://schemas.microsoft.com/office/powerpoint/2010/main" val="2784106879"/>
+        <p14:creationId xmlns:p14="http://schemas.microsoft.com/office/powerpoint/2010/main" val="2567661436"/>
       </p:ext>
     </p:extLst>
   </p:cSld>
@@ -2049,7 +2062,7 @@
           <p:cNvPr id="2" name="Date Placeholder 1">
             <a:extLst>
               <a:ext uri="{FF2B5EF4-FFF2-40B4-BE49-F238E27FC236}">
-                <a16:creationId xmlns:a16="http://schemas.microsoft.com/office/drawing/2014/main" id="{3004A4C4-9901-742F-0E74-0F516D7FF79C}"/>
+                <a16:creationId xmlns:a16="http://schemas.microsoft.com/office/drawing/2014/main" id="{297ECD55-05F8-864A-8D15-252465683C78}"/>
               </a:ext>
             </a:extLst>
           </p:cNvPr>
@@ -2065,9 +2078,9 @@
           <a:bodyPr/>
           <a:lstStyle/>
           <a:p>
-            <a:fld id="{CFE8C9D5-A136-D643-B27F-B854798CC265}" type="datetimeFigureOut">
+            <a:fld id="{931BED74-9276-9149-8172-EA45C7599BD3}" type="datetimeFigureOut">
               <a:rPr lang="en-US" smtClean="0"/>
-              <a:t>11/1/22</a:t>
+              <a:t>11/5/22</a:t>
             </a:fld>
             <a:endParaRPr lang="en-US"/>
           </a:p>
@@ -2078,7 +2091,7 @@
           <p:cNvPr id="3" name="Footer Placeholder 2">
             <a:extLst>
               <a:ext uri="{FF2B5EF4-FFF2-40B4-BE49-F238E27FC236}">
-                <a16:creationId xmlns:a16="http://schemas.microsoft.com/office/drawing/2014/main" id="{133F3D2F-26E3-ADCA-0A0D-B33ADC5DF9C4}"/>
+                <a16:creationId xmlns:a16="http://schemas.microsoft.com/office/drawing/2014/main" id="{59298B86-8C23-834D-8B4D-67F417CA9B93}"/>
               </a:ext>
             </a:extLst>
           </p:cNvPr>
@@ -2103,7 +2116,7 @@
           <p:cNvPr id="4" name="Slide Number Placeholder 3">
             <a:extLst>
               <a:ext uri="{FF2B5EF4-FFF2-40B4-BE49-F238E27FC236}">
-                <a16:creationId xmlns:a16="http://schemas.microsoft.com/office/drawing/2014/main" id="{1C2BE2F5-6409-0B76-C1F2-F6019B8AE689}"/>
+                <a16:creationId xmlns:a16="http://schemas.microsoft.com/office/drawing/2014/main" id="{EB232284-37FC-4048-BC64-FB1462CBDBE6}"/>
               </a:ext>
             </a:extLst>
           </p:cNvPr>
@@ -2119,7 +2132,7 @@
           <a:bodyPr/>
           <a:lstStyle/>
           <a:p>
-            <a:fld id="{8F1BFA94-FB45-E145-ACD0-D23792970B10}" type="slidenum">
+            <a:fld id="{504EF24B-EEF1-4C4D-BCD2-4D72245D0C16}" type="slidenum">
               <a:rPr lang="en-US" smtClean="0"/>
               <a:t>‹#›</a:t>
             </a:fld>
@@ -2130,7 +2143,7 @@
     </p:spTree>
     <p:extLst>
       <p:ext uri="{BB962C8B-B14F-4D97-AF65-F5344CB8AC3E}">
-        <p14:creationId xmlns:p14="http://schemas.microsoft.com/office/powerpoint/2010/main" val="1223941055"/>
+        <p14:creationId xmlns:p14="http://schemas.microsoft.com/office/powerpoint/2010/main" val="1212072405"/>
       </p:ext>
     </p:extLst>
   </p:cSld>
@@ -2162,7 +2175,7 @@
           <p:cNvPr id="2" name="Title 1">
             <a:extLst>
               <a:ext uri="{FF2B5EF4-FFF2-40B4-BE49-F238E27FC236}">
-                <a16:creationId xmlns:a16="http://schemas.microsoft.com/office/drawing/2014/main" id="{038584B5-0B7F-5C47-DB89-0A304C87D1D8}"/>
+                <a16:creationId xmlns:a16="http://schemas.microsoft.com/office/drawing/2014/main" id="{18D57369-E4B9-1A46-B374-4B793190D626}"/>
               </a:ext>
             </a:extLst>
           </p:cNvPr>
@@ -2188,9 +2201,10 @@
           </a:lstStyle>
           <a:p>
             <a:r>
-              <a:rPr lang="en-US"/>
+              <a:rPr lang="en-GB"/>
               <a:t>Click to edit Master title style</a:t>
             </a:r>
+            <a:endParaRPr lang="en-US"/>
           </a:p>
         </p:txBody>
       </p:sp>
@@ -2199,7 +2213,7 @@
           <p:cNvPr id="3" name="Content Placeholder 2">
             <a:extLst>
               <a:ext uri="{FF2B5EF4-FFF2-40B4-BE49-F238E27FC236}">
-                <a16:creationId xmlns:a16="http://schemas.microsoft.com/office/drawing/2014/main" id="{0DDFC012-BBA6-9013-160E-C12AA6C9EC2E}"/>
+                <a16:creationId xmlns:a16="http://schemas.microsoft.com/office/drawing/2014/main" id="{40547522-2A51-D640-8CFA-1EE923E19B81}"/>
               </a:ext>
             </a:extLst>
           </p:cNvPr>
@@ -2250,37 +2264,38 @@
           <a:p>
             <a:pPr lvl="0"/>
             <a:r>
-              <a:rPr lang="en-US"/>
+              <a:rPr lang="en-GB"/>
               <a:t>Click to edit Master text styles</a:t>
             </a:r>
           </a:p>
           <a:p>
             <a:pPr lvl="1"/>
             <a:r>
-              <a:rPr lang="en-US"/>
+              <a:rPr lang="en-GB"/>
               <a:t>Second level</a:t>
             </a:r>
           </a:p>
           <a:p>
             <a:pPr lvl="2"/>
             <a:r>
-              <a:rPr lang="en-US"/>
+              <a:rPr lang="en-GB"/>
               <a:t>Third level</a:t>
             </a:r>
           </a:p>
           <a:p>
             <a:pPr lvl="3"/>
             <a:r>
-              <a:rPr lang="en-US"/>
+              <a:rPr lang="en-GB"/>
               <a:t>Fourth level</a:t>
             </a:r>
           </a:p>
           <a:p>
             <a:pPr lvl="4"/>
             <a:r>
-              <a:rPr lang="en-US"/>
+              <a:rPr lang="en-GB"/>
               <a:t>Fifth level</a:t>
             </a:r>
+            <a:endParaRPr lang="en-US"/>
           </a:p>
         </p:txBody>
       </p:sp>
@@ -2289,7 +2304,7 @@
           <p:cNvPr id="4" name="Text Placeholder 3">
             <a:extLst>
               <a:ext uri="{FF2B5EF4-FFF2-40B4-BE49-F238E27FC236}">
-                <a16:creationId xmlns:a16="http://schemas.microsoft.com/office/drawing/2014/main" id="{674E4175-8234-D47A-76A9-3D9F4E90255B}"/>
+                <a16:creationId xmlns:a16="http://schemas.microsoft.com/office/drawing/2014/main" id="{83374E01-E66D-C848-BBA3-41CD492FBA33}"/>
               </a:ext>
             </a:extLst>
           </p:cNvPr>
@@ -2349,7 +2364,7 @@
           <a:p>
             <a:pPr lvl="0"/>
             <a:r>
-              <a:rPr lang="en-US"/>
+              <a:rPr lang="en-GB"/>
               <a:t>Click to edit Master text styles</a:t>
             </a:r>
           </a:p>
@@ -2360,7 +2375,7 @@
           <p:cNvPr id="5" name="Date Placeholder 4">
             <a:extLst>
               <a:ext uri="{FF2B5EF4-FFF2-40B4-BE49-F238E27FC236}">
-                <a16:creationId xmlns:a16="http://schemas.microsoft.com/office/drawing/2014/main" id="{19E6B2D8-6CD3-78EC-31DC-CD03080DE8B3}"/>
+                <a16:creationId xmlns:a16="http://schemas.microsoft.com/office/drawing/2014/main" id="{93FC7922-63FA-084A-A8D3-268E0E36C588}"/>
               </a:ext>
             </a:extLst>
           </p:cNvPr>
@@ -2376,9 +2391,9 @@
           <a:bodyPr/>
           <a:lstStyle/>
           <a:p>
-            <a:fld id="{CFE8C9D5-A136-D643-B27F-B854798CC265}" type="datetimeFigureOut">
+            <a:fld id="{931BED74-9276-9149-8172-EA45C7599BD3}" type="datetimeFigureOut">
               <a:rPr lang="en-US" smtClean="0"/>
-              <a:t>11/1/22</a:t>
+              <a:t>11/5/22</a:t>
             </a:fld>
             <a:endParaRPr lang="en-US"/>
           </a:p>
@@ -2389,7 +2404,7 @@
           <p:cNvPr id="6" name="Footer Placeholder 5">
             <a:extLst>
               <a:ext uri="{FF2B5EF4-FFF2-40B4-BE49-F238E27FC236}">
-                <a16:creationId xmlns:a16="http://schemas.microsoft.com/office/drawing/2014/main" id="{C1B1FBE4-BA66-EB2B-9AA5-6CA01F5C4CB6}"/>
+                <a16:creationId xmlns:a16="http://schemas.microsoft.com/office/drawing/2014/main" id="{F71B42E9-775D-CC46-AE30-785BEF4678E6}"/>
               </a:ext>
             </a:extLst>
           </p:cNvPr>
@@ -2414,7 +2429,7 @@
           <p:cNvPr id="7" name="Slide Number Placeholder 6">
             <a:extLst>
               <a:ext uri="{FF2B5EF4-FFF2-40B4-BE49-F238E27FC236}">
-                <a16:creationId xmlns:a16="http://schemas.microsoft.com/office/drawing/2014/main" id="{392BC84F-47FA-E9BA-4870-D1680E8D72D7}"/>
+                <a16:creationId xmlns:a16="http://schemas.microsoft.com/office/drawing/2014/main" id="{5B83D0F9-AE36-E447-BF18-16DC035E1CC5}"/>
               </a:ext>
             </a:extLst>
           </p:cNvPr>
@@ -2430,7 +2445,7 @@
           <a:bodyPr/>
           <a:lstStyle/>
           <a:p>
-            <a:fld id="{8F1BFA94-FB45-E145-ACD0-D23792970B10}" type="slidenum">
+            <a:fld id="{504EF24B-EEF1-4C4D-BCD2-4D72245D0C16}" type="slidenum">
               <a:rPr lang="en-US" smtClean="0"/>
               <a:t>‹#›</a:t>
             </a:fld>
@@ -2441,7 +2456,7 @@
     </p:spTree>
     <p:extLst>
       <p:ext uri="{BB962C8B-B14F-4D97-AF65-F5344CB8AC3E}">
-        <p14:creationId xmlns:p14="http://schemas.microsoft.com/office/powerpoint/2010/main" val="838330668"/>
+        <p14:creationId xmlns:p14="http://schemas.microsoft.com/office/powerpoint/2010/main" val="526721822"/>
       </p:ext>
     </p:extLst>
   </p:cSld>
@@ -2473,7 +2488,7 @@
           <p:cNvPr id="2" name="Title 1">
             <a:extLst>
               <a:ext uri="{FF2B5EF4-FFF2-40B4-BE49-F238E27FC236}">
-                <a16:creationId xmlns:a16="http://schemas.microsoft.com/office/drawing/2014/main" id="{8A23B353-C36E-0193-7FC6-65B4EDB41A64}"/>
+                <a16:creationId xmlns:a16="http://schemas.microsoft.com/office/drawing/2014/main" id="{97FAEFD9-F251-7048-B330-3307BB7B1762}"/>
               </a:ext>
             </a:extLst>
           </p:cNvPr>
@@ -2499,9 +2514,10 @@
           </a:lstStyle>
           <a:p>
             <a:r>
-              <a:rPr lang="en-US"/>
+              <a:rPr lang="en-GB"/>
               <a:t>Click to edit Master title style</a:t>
             </a:r>
+            <a:endParaRPr lang="en-US"/>
           </a:p>
         </p:txBody>
       </p:sp>
@@ -2510,7 +2526,7 @@
           <p:cNvPr id="3" name="Picture Placeholder 2">
             <a:extLst>
               <a:ext uri="{FF2B5EF4-FFF2-40B4-BE49-F238E27FC236}">
-                <a16:creationId xmlns:a16="http://schemas.microsoft.com/office/drawing/2014/main" id="{346C0675-89EF-7DB6-F0CA-3AD5F71E1F3F}"/>
+                <a16:creationId xmlns:a16="http://schemas.microsoft.com/office/drawing/2014/main" id="{E344D5E4-C01C-AF4E-8933-4167AE3D3822}"/>
               </a:ext>
             </a:extLst>
           </p:cNvPr>
@@ -2577,7 +2593,7 @@
           <p:cNvPr id="4" name="Text Placeholder 3">
             <a:extLst>
               <a:ext uri="{FF2B5EF4-FFF2-40B4-BE49-F238E27FC236}">
-                <a16:creationId xmlns:a16="http://schemas.microsoft.com/office/drawing/2014/main" id="{16888466-2254-6F27-B81F-4F1886A2A7DA}"/>
+                <a16:creationId xmlns:a16="http://schemas.microsoft.com/office/drawing/2014/main" id="{C87823B6-4B82-F441-A686-E37EBF192221}"/>
               </a:ext>
             </a:extLst>
           </p:cNvPr>
@@ -2637,7 +2653,7 @@
           <a:p>
             <a:pPr lvl="0"/>
             <a:r>
-              <a:rPr lang="en-US"/>
+              <a:rPr lang="en-GB"/>
               <a:t>Click to edit Master text styles</a:t>
             </a:r>
           </a:p>
@@ -2648,7 +2664,7 @@
           <p:cNvPr id="5" name="Date Placeholder 4">
             <a:extLst>
               <a:ext uri="{FF2B5EF4-FFF2-40B4-BE49-F238E27FC236}">
-                <a16:creationId xmlns:a16="http://schemas.microsoft.com/office/drawing/2014/main" id="{F3E7AB47-B902-3DD9-5DBC-B1E4840B5290}"/>
+                <a16:creationId xmlns:a16="http://schemas.microsoft.com/office/drawing/2014/main" id="{8B940D9B-4107-FD48-9802-349998F5B389}"/>
               </a:ext>
             </a:extLst>
           </p:cNvPr>
@@ -2664,9 +2680,9 @@
           <a:bodyPr/>
           <a:lstStyle/>
           <a:p>
-            <a:fld id="{CFE8C9D5-A136-D643-B27F-B854798CC265}" type="datetimeFigureOut">
+            <a:fld id="{931BED74-9276-9149-8172-EA45C7599BD3}" type="datetimeFigureOut">
               <a:rPr lang="en-US" smtClean="0"/>
-              <a:t>11/1/22</a:t>
+              <a:t>11/5/22</a:t>
             </a:fld>
             <a:endParaRPr lang="en-US"/>
           </a:p>
@@ -2677,7 +2693,7 @@
           <p:cNvPr id="6" name="Footer Placeholder 5">
             <a:extLst>
               <a:ext uri="{FF2B5EF4-FFF2-40B4-BE49-F238E27FC236}">
-                <a16:creationId xmlns:a16="http://schemas.microsoft.com/office/drawing/2014/main" id="{EB3570F9-0BA5-91A9-66BD-0D343D747E4E}"/>
+                <a16:creationId xmlns:a16="http://schemas.microsoft.com/office/drawing/2014/main" id="{EE1FF84C-49A3-2D45-B945-AA0176632535}"/>
               </a:ext>
             </a:extLst>
           </p:cNvPr>
@@ -2702,7 +2718,7 @@
           <p:cNvPr id="7" name="Slide Number Placeholder 6">
             <a:extLst>
               <a:ext uri="{FF2B5EF4-FFF2-40B4-BE49-F238E27FC236}">
-                <a16:creationId xmlns:a16="http://schemas.microsoft.com/office/drawing/2014/main" id="{0F7A7BD8-CF58-C420-19BC-8264DD2BF131}"/>
+                <a16:creationId xmlns:a16="http://schemas.microsoft.com/office/drawing/2014/main" id="{F918FC85-02D7-4B4E-8573-13EC1A09E9BA}"/>
               </a:ext>
             </a:extLst>
           </p:cNvPr>
@@ -2718,7 +2734,7 @@
           <a:bodyPr/>
           <a:lstStyle/>
           <a:p>
-            <a:fld id="{8F1BFA94-FB45-E145-ACD0-D23792970B10}" type="slidenum">
+            <a:fld id="{504EF24B-EEF1-4C4D-BCD2-4D72245D0C16}" type="slidenum">
               <a:rPr lang="en-US" smtClean="0"/>
               <a:t>‹#›</a:t>
             </a:fld>
@@ -2729,7 +2745,7 @@
     </p:spTree>
     <p:extLst>
       <p:ext uri="{BB962C8B-B14F-4D97-AF65-F5344CB8AC3E}">
-        <p14:creationId xmlns:p14="http://schemas.microsoft.com/office/powerpoint/2010/main" val="913178722"/>
+        <p14:creationId xmlns:p14="http://schemas.microsoft.com/office/powerpoint/2010/main" val="2296960858"/>
       </p:ext>
     </p:extLst>
   </p:cSld>
@@ -2766,7 +2782,7 @@
           <p:cNvPr id="2" name="Title Placeholder 1">
             <a:extLst>
               <a:ext uri="{FF2B5EF4-FFF2-40B4-BE49-F238E27FC236}">
-                <a16:creationId xmlns:a16="http://schemas.microsoft.com/office/drawing/2014/main" id="{9546892D-4209-6827-AD5C-A98C6B72A97F}"/>
+                <a16:creationId xmlns:a16="http://schemas.microsoft.com/office/drawing/2014/main" id="{49E55873-B728-424D-98F7-5F9455B5AD24}"/>
               </a:ext>
             </a:extLst>
           </p:cNvPr>
@@ -2793,9 +2809,10 @@
           <a:lstStyle/>
           <a:p>
             <a:r>
-              <a:rPr lang="en-US"/>
+              <a:rPr lang="en-GB"/>
               <a:t>Click to edit Master title style</a:t>
             </a:r>
+            <a:endParaRPr lang="en-US"/>
           </a:p>
         </p:txBody>
       </p:sp>
@@ -2804,7 +2821,7 @@
           <p:cNvPr id="3" name="Text Placeholder 2">
             <a:extLst>
               <a:ext uri="{FF2B5EF4-FFF2-40B4-BE49-F238E27FC236}">
-                <a16:creationId xmlns:a16="http://schemas.microsoft.com/office/drawing/2014/main" id="{8F3EB7A7-EEAB-7AD9-EA47-09593D3F8A4C}"/>
+                <a16:creationId xmlns:a16="http://schemas.microsoft.com/office/drawing/2014/main" id="{2FC31FE3-FE5F-9C4A-AEDB-4AEFBB00DECE}"/>
               </a:ext>
             </a:extLst>
           </p:cNvPr>
@@ -2832,37 +2849,38 @@
           <a:p>
             <a:pPr lvl="0"/>
             <a:r>
-              <a:rPr lang="en-US"/>
+              <a:rPr lang="en-GB"/>
               <a:t>Click to edit Master text styles</a:t>
             </a:r>
           </a:p>
           <a:p>
             <a:pPr lvl="1"/>
             <a:r>
-              <a:rPr lang="en-US"/>
+              <a:rPr lang="en-GB"/>
               <a:t>Second level</a:t>
             </a:r>
           </a:p>
           <a:p>
             <a:pPr lvl="2"/>
             <a:r>
-              <a:rPr lang="en-US"/>
+              <a:rPr lang="en-GB"/>
               <a:t>Third level</a:t>
             </a:r>
           </a:p>
           <a:p>
             <a:pPr lvl="3"/>
             <a:r>
-              <a:rPr lang="en-US"/>
+              <a:rPr lang="en-GB"/>
               <a:t>Fourth level</a:t>
             </a:r>
           </a:p>
           <a:p>
             <a:pPr lvl="4"/>
             <a:r>
-              <a:rPr lang="en-US"/>
+              <a:rPr lang="en-GB"/>
               <a:t>Fifth level</a:t>
             </a:r>
+            <a:endParaRPr lang="en-US"/>
           </a:p>
         </p:txBody>
       </p:sp>
@@ -2871,7 +2889,7 @@
           <p:cNvPr id="4" name="Date Placeholder 3">
             <a:extLst>
               <a:ext uri="{FF2B5EF4-FFF2-40B4-BE49-F238E27FC236}">
-                <a16:creationId xmlns:a16="http://schemas.microsoft.com/office/drawing/2014/main" id="{8FDE4EE2-4555-67EE-FB0B-3CB818209081}"/>
+                <a16:creationId xmlns:a16="http://schemas.microsoft.com/office/drawing/2014/main" id="{A953F3D8-C0ED-0A4F-B55F-4362C66CA515}"/>
               </a:ext>
             </a:extLst>
           </p:cNvPr>
@@ -2905,9 +2923,9 @@
             </a:lvl1pPr>
           </a:lstStyle>
           <a:p>
-            <a:fld id="{CFE8C9D5-A136-D643-B27F-B854798CC265}" type="datetimeFigureOut">
+            <a:fld id="{931BED74-9276-9149-8172-EA45C7599BD3}" type="datetimeFigureOut">
               <a:rPr lang="en-US" smtClean="0"/>
-              <a:t>11/1/22</a:t>
+              <a:t>11/5/22</a:t>
             </a:fld>
             <a:endParaRPr lang="en-US"/>
           </a:p>
@@ -2918,7 +2936,7 @@
           <p:cNvPr id="5" name="Footer Placeholder 4">
             <a:extLst>
               <a:ext uri="{FF2B5EF4-FFF2-40B4-BE49-F238E27FC236}">
-                <a16:creationId xmlns:a16="http://schemas.microsoft.com/office/drawing/2014/main" id="{43A2A002-096F-BF20-44EE-77E485AE7DC7}"/>
+                <a16:creationId xmlns:a16="http://schemas.microsoft.com/office/drawing/2014/main" id="{8183A642-0C83-D549-AB76-7153B3DED5EB}"/>
               </a:ext>
             </a:extLst>
           </p:cNvPr>
@@ -2961,7 +2979,7 @@
           <p:cNvPr id="6" name="Slide Number Placeholder 5">
             <a:extLst>
               <a:ext uri="{FF2B5EF4-FFF2-40B4-BE49-F238E27FC236}">
-                <a16:creationId xmlns:a16="http://schemas.microsoft.com/office/drawing/2014/main" id="{D9471915-C422-7B64-8064-EACAE54ACB49}"/>
+                <a16:creationId xmlns:a16="http://schemas.microsoft.com/office/drawing/2014/main" id="{A6E59223-0B2B-2041-ACC2-CC1A5CBDF4D6}"/>
               </a:ext>
             </a:extLst>
           </p:cNvPr>
@@ -2995,7 +3013,7 @@
             </a:lvl1pPr>
           </a:lstStyle>
           <a:p>
-            <a:fld id="{8F1BFA94-FB45-E145-ACD0-D23792970B10}" type="slidenum">
+            <a:fld id="{504EF24B-EEF1-4C4D-BCD2-4D72245D0C16}" type="slidenum">
               <a:rPr lang="en-US" smtClean="0"/>
               <a:t>‹#›</a:t>
             </a:fld>
@@ -3006,7 +3024,7 @@
     </p:spTree>
     <p:extLst>
       <p:ext uri="{BB962C8B-B14F-4D97-AF65-F5344CB8AC3E}">
-        <p14:creationId xmlns:p14="http://schemas.microsoft.com/office/powerpoint/2010/main" val="1899761972"/>
+        <p14:creationId xmlns:p14="http://schemas.microsoft.com/office/powerpoint/2010/main" val="4226390875"/>
       </p:ext>
     </p:extLst>
   </p:cSld>
@@ -3329,7 +3347,7 @@
           <p:cNvPr id="2" name="Title 1">
             <a:extLst>
               <a:ext uri="{FF2B5EF4-FFF2-40B4-BE49-F238E27FC236}">
-                <a16:creationId xmlns:a16="http://schemas.microsoft.com/office/drawing/2014/main" id="{EDF742AB-EF66-5EB1-90F4-0B71D4F62018}"/>
+                <a16:creationId xmlns:a16="http://schemas.microsoft.com/office/drawing/2014/main" id="{67C9C9A7-83AA-F64C-9AA3-B60B1F48926A}"/>
               </a:ext>
             </a:extLst>
           </p:cNvPr>
@@ -3347,7 +3365,7 @@
           <a:p>
             <a:r>
               <a:rPr lang="en-US" dirty="0"/>
-              <a:t>Presentation Template</a:t>
+              <a:t>Hack-la-2022-what_a_hack</a:t>
             </a:r>
           </a:p>
         </p:txBody>
@@ -3357,7 +3375,7 @@
           <p:cNvPr id="3" name="Subtitle 2">
             <a:extLst>
               <a:ext uri="{FF2B5EF4-FFF2-40B4-BE49-F238E27FC236}">
-                <a16:creationId xmlns:a16="http://schemas.microsoft.com/office/drawing/2014/main" id="{37DB519A-FBC6-86DC-2426-7CCB42E72F63}"/>
+                <a16:creationId xmlns:a16="http://schemas.microsoft.com/office/drawing/2014/main" id="{8B5338DE-913A-794A-A5B9-B91631E1DFEA}"/>
               </a:ext>
             </a:extLst>
           </p:cNvPr>
@@ -3374,360 +3392,33 @@
           <a:lstStyle/>
           <a:p>
             <a:r>
-              <a:rPr lang="en-US" b="1" dirty="0">
-                <a:solidFill>
-                  <a:srgbClr val="FF0000"/>
-                </a:solidFill>
-              </a:rPr>
-              <a:t>GROUP MEMBERS</a:t>
-            </a:r>
+              <a:rPr lang="en-US" dirty="0"/>
+              <a:t>Presentation slides link: https://</a:t>
+            </a:r>
+            <a:r>
+              <a:rPr lang="en-US" dirty="0" err="1"/>
+              <a:t>prezi.com</a:t>
+            </a:r>
+            <a:r>
+              <a:rPr lang="en-US" dirty="0"/>
+              <a:t>/view/</a:t>
+            </a:r>
+            <a:r>
+              <a:rPr lang="en-US" dirty="0" err="1"/>
+              <a:t>vTMoyaWVrvBTWzBHseNx</a:t>
+            </a:r>
+            <a:r>
+              <a:rPr lang="en-US"/>
+              <a:t>/</a:t>
+            </a:r>
+            <a:endParaRPr lang="en-US" dirty="0"/>
           </a:p>
         </p:txBody>
       </p:sp>
     </p:spTree>
     <p:extLst>
       <p:ext uri="{BB962C8B-B14F-4D97-AF65-F5344CB8AC3E}">
-        <p14:creationId xmlns:p14="http://schemas.microsoft.com/office/powerpoint/2010/main" val="2868259331"/>
-      </p:ext>
-    </p:extLst>
-  </p:cSld>
-  <p:clrMapOvr>
-    <a:masterClrMapping/>
-  </p:clrMapOvr>
-</p:sld>
-</file>
-
-<file path=ppt/slides/slide2.xml><?xml version="1.0" encoding="utf-8"?>
-<p:sld xmlns:a="http://schemas.openxmlformats.org/drawingml/2006/main" xmlns:r="http://schemas.openxmlformats.org/officeDocument/2006/relationships" xmlns:p="http://schemas.openxmlformats.org/presentationml/2006/main">
-  <p:cSld>
-    <p:spTree>
-      <p:nvGrpSpPr>
-        <p:cNvPr id="1" name=""/>
-        <p:cNvGrpSpPr/>
-        <p:nvPr/>
-      </p:nvGrpSpPr>
-      <p:grpSpPr>
-        <a:xfrm>
-          <a:off x="0" y="0"/>
-          <a:ext cx="0" cy="0"/>
-          <a:chOff x="0" y="0"/>
-          <a:chExt cx="0" cy="0"/>
-        </a:xfrm>
-      </p:grpSpPr>
-      <p:sp>
-        <p:nvSpPr>
-          <p:cNvPr id="2" name="Title 1">
-            <a:extLst>
-              <a:ext uri="{FF2B5EF4-FFF2-40B4-BE49-F238E27FC236}">
-                <a16:creationId xmlns:a16="http://schemas.microsoft.com/office/drawing/2014/main" id="{191661C7-E51F-5062-418E-198ED849BC4F}"/>
-              </a:ext>
-            </a:extLst>
-          </p:cNvPr>
-          <p:cNvSpPr>
-            <a:spLocks noGrp="1"/>
-          </p:cNvSpPr>
-          <p:nvPr>
-            <p:ph type="title"/>
-          </p:nvPr>
-        </p:nvSpPr>
-        <p:spPr/>
-        <p:txBody>
-          <a:bodyPr/>
-          <a:lstStyle/>
-          <a:p>
-            <a:r>
-              <a:rPr lang="en-US" dirty="0"/>
-              <a:t>Introduction</a:t>
-            </a:r>
-          </a:p>
-        </p:txBody>
-      </p:sp>
-      <p:sp>
-        <p:nvSpPr>
-          <p:cNvPr id="3" name="Content Placeholder 2">
-            <a:extLst>
-              <a:ext uri="{FF2B5EF4-FFF2-40B4-BE49-F238E27FC236}">
-                <a16:creationId xmlns:a16="http://schemas.microsoft.com/office/drawing/2014/main" id="{565B8307-4EDF-3C6C-4281-C0D3E537BDE4}"/>
-              </a:ext>
-            </a:extLst>
-          </p:cNvPr>
-          <p:cNvSpPr>
-            <a:spLocks noGrp="1"/>
-          </p:cNvSpPr>
-          <p:nvPr>
-            <p:ph idx="1"/>
-          </p:nvPr>
-        </p:nvSpPr>
-        <p:spPr/>
-        <p:txBody>
-          <a:bodyPr/>
-          <a:lstStyle/>
-          <a:p>
-            <a:r>
-              <a:rPr lang="en-US" dirty="0">
-                <a:solidFill>
-                  <a:srgbClr val="FF0000"/>
-                </a:solidFill>
-              </a:rPr>
-              <a:t>Who are you?</a:t>
-            </a:r>
-          </a:p>
-          <a:p>
-            <a:r>
-              <a:rPr lang="en-US" dirty="0">
-                <a:solidFill>
-                  <a:srgbClr val="FF0000"/>
-                </a:solidFill>
-              </a:rPr>
-              <a:t>What was your approach to this event?</a:t>
-            </a:r>
-          </a:p>
-          <a:p>
-            <a:r>
-              <a:rPr lang="en-US" dirty="0">
-                <a:solidFill>
-                  <a:srgbClr val="FF0000"/>
-                </a:solidFill>
-              </a:rPr>
-              <a:t>What did you want to build? What did you build?</a:t>
-            </a:r>
-          </a:p>
-        </p:txBody>
-      </p:sp>
-    </p:spTree>
-    <p:extLst>
-      <p:ext uri="{BB962C8B-B14F-4D97-AF65-F5344CB8AC3E}">
-        <p14:creationId xmlns:p14="http://schemas.microsoft.com/office/powerpoint/2010/main" val="2082328912"/>
-      </p:ext>
-    </p:extLst>
-  </p:cSld>
-  <p:clrMapOvr>
-    <a:masterClrMapping/>
-  </p:clrMapOvr>
-</p:sld>
-</file>
-
-<file path=ppt/slides/slide3.xml><?xml version="1.0" encoding="utf-8"?>
-<p:sld xmlns:a="http://schemas.openxmlformats.org/drawingml/2006/main" xmlns:r="http://schemas.openxmlformats.org/officeDocument/2006/relationships" xmlns:p="http://schemas.openxmlformats.org/presentationml/2006/main">
-  <p:cSld>
-    <p:spTree>
-      <p:nvGrpSpPr>
-        <p:cNvPr id="1" name=""/>
-        <p:cNvGrpSpPr/>
-        <p:nvPr/>
-      </p:nvGrpSpPr>
-      <p:grpSpPr>
-        <a:xfrm>
-          <a:off x="0" y="0"/>
-          <a:ext cx="0" cy="0"/>
-          <a:chOff x="0" y="0"/>
-          <a:chExt cx="0" cy="0"/>
-        </a:xfrm>
-      </p:grpSpPr>
-      <p:sp>
-        <p:nvSpPr>
-          <p:cNvPr id="2" name="Title 1">
-            <a:extLst>
-              <a:ext uri="{FF2B5EF4-FFF2-40B4-BE49-F238E27FC236}">
-                <a16:creationId xmlns:a16="http://schemas.microsoft.com/office/drawing/2014/main" id="{8985F1F6-DFC5-E9E5-55AE-046C48A7E402}"/>
-              </a:ext>
-            </a:extLst>
-          </p:cNvPr>
-          <p:cNvSpPr>
-            <a:spLocks noGrp="1"/>
-          </p:cNvSpPr>
-          <p:nvPr>
-            <p:ph type="title"/>
-          </p:nvPr>
-        </p:nvSpPr>
-        <p:spPr/>
-        <p:txBody>
-          <a:bodyPr/>
-          <a:lstStyle/>
-          <a:p>
-            <a:r>
-              <a:rPr lang="en-US" dirty="0"/>
-              <a:t>Final Product</a:t>
-            </a:r>
-          </a:p>
-        </p:txBody>
-      </p:sp>
-      <p:sp>
-        <p:nvSpPr>
-          <p:cNvPr id="3" name="Content Placeholder 2">
-            <a:extLst>
-              <a:ext uri="{FF2B5EF4-FFF2-40B4-BE49-F238E27FC236}">
-                <a16:creationId xmlns:a16="http://schemas.microsoft.com/office/drawing/2014/main" id="{37C17D18-8C33-DE14-A86E-91E414D3B658}"/>
-              </a:ext>
-            </a:extLst>
-          </p:cNvPr>
-          <p:cNvSpPr>
-            <a:spLocks noGrp="1"/>
-          </p:cNvSpPr>
-          <p:nvPr>
-            <p:ph idx="1"/>
-          </p:nvPr>
-        </p:nvSpPr>
-        <p:spPr/>
-        <p:txBody>
-          <a:bodyPr/>
-          <a:lstStyle/>
-          <a:p>
-            <a:r>
-              <a:rPr lang="en-US" dirty="0">
-                <a:solidFill>
-                  <a:srgbClr val="FF0000"/>
-                </a:solidFill>
-              </a:rPr>
-              <a:t>What problem did you decide to solve? How did you want to solve it?</a:t>
-            </a:r>
-          </a:p>
-          <a:p>
-            <a:r>
-              <a:rPr lang="en-US" dirty="0">
-                <a:solidFill>
-                  <a:srgbClr val="FF0000"/>
-                </a:solidFill>
-              </a:rPr>
-              <a:t>Did you build something? </a:t>
-            </a:r>
-          </a:p>
-          <a:p>
-            <a:r>
-              <a:rPr lang="en-US" dirty="0">
-                <a:solidFill>
-                  <a:srgbClr val="FF0000"/>
-                </a:solidFill>
-              </a:rPr>
-              <a:t>Can be a demo, description, wireframe </a:t>
-            </a:r>
-          </a:p>
-          <a:p>
-            <a:r>
-              <a:rPr lang="en-US" dirty="0">
-                <a:solidFill>
-                  <a:srgbClr val="FF0000"/>
-                </a:solidFill>
-              </a:rPr>
-              <a:t>If you conducted analysis – what did you find? Were you surprised?</a:t>
-            </a:r>
-          </a:p>
-          <a:p>
-            <a:pPr marL="0" indent="0">
-              <a:buNone/>
-            </a:pPr>
-            <a:endParaRPr lang="en-US" dirty="0">
-              <a:solidFill>
-                <a:srgbClr val="FF0000"/>
-              </a:solidFill>
-            </a:endParaRPr>
-          </a:p>
-        </p:txBody>
-      </p:sp>
-    </p:spTree>
-    <p:extLst>
-      <p:ext uri="{BB962C8B-B14F-4D97-AF65-F5344CB8AC3E}">
-        <p14:creationId xmlns:p14="http://schemas.microsoft.com/office/powerpoint/2010/main" val="2865599950"/>
-      </p:ext>
-    </p:extLst>
-  </p:cSld>
-  <p:clrMapOvr>
-    <a:masterClrMapping/>
-  </p:clrMapOvr>
-</p:sld>
-</file>
-
-<file path=ppt/slides/slide4.xml><?xml version="1.0" encoding="utf-8"?>
-<p:sld xmlns:a="http://schemas.openxmlformats.org/drawingml/2006/main" xmlns:r="http://schemas.openxmlformats.org/officeDocument/2006/relationships" xmlns:p="http://schemas.openxmlformats.org/presentationml/2006/main">
-  <p:cSld>
-    <p:spTree>
-      <p:nvGrpSpPr>
-        <p:cNvPr id="1" name=""/>
-        <p:cNvGrpSpPr/>
-        <p:nvPr/>
-      </p:nvGrpSpPr>
-      <p:grpSpPr>
-        <a:xfrm>
-          <a:off x="0" y="0"/>
-          <a:ext cx="0" cy="0"/>
-          <a:chOff x="0" y="0"/>
-          <a:chExt cx="0" cy="0"/>
-        </a:xfrm>
-      </p:grpSpPr>
-      <p:sp>
-        <p:nvSpPr>
-          <p:cNvPr id="2" name="Title 1">
-            <a:extLst>
-              <a:ext uri="{FF2B5EF4-FFF2-40B4-BE49-F238E27FC236}">
-                <a16:creationId xmlns:a16="http://schemas.microsoft.com/office/drawing/2014/main" id="{95283A0D-E000-9597-8EDB-F4BAB12CFEA8}"/>
-              </a:ext>
-            </a:extLst>
-          </p:cNvPr>
-          <p:cNvSpPr>
-            <a:spLocks noGrp="1"/>
-          </p:cNvSpPr>
-          <p:nvPr>
-            <p:ph type="title"/>
-          </p:nvPr>
-        </p:nvSpPr>
-        <p:spPr/>
-        <p:txBody>
-          <a:bodyPr/>
-          <a:lstStyle/>
-          <a:p>
-            <a:r>
-              <a:rPr lang="en-US" dirty="0"/>
-              <a:t>Conclusion</a:t>
-            </a:r>
-          </a:p>
-        </p:txBody>
-      </p:sp>
-      <p:sp>
-        <p:nvSpPr>
-          <p:cNvPr id="3" name="Content Placeholder 2">
-            <a:extLst>
-              <a:ext uri="{FF2B5EF4-FFF2-40B4-BE49-F238E27FC236}">
-                <a16:creationId xmlns:a16="http://schemas.microsoft.com/office/drawing/2014/main" id="{3466B6D1-B876-FBAD-A89C-8820F2CA3861}"/>
-              </a:ext>
-            </a:extLst>
-          </p:cNvPr>
-          <p:cNvSpPr>
-            <a:spLocks noGrp="1"/>
-          </p:cNvSpPr>
-          <p:nvPr>
-            <p:ph idx="1"/>
-          </p:nvPr>
-        </p:nvSpPr>
-        <p:spPr/>
-        <p:txBody>
-          <a:bodyPr/>
-          <a:lstStyle/>
-          <a:p>
-            <a:r>
-              <a:rPr lang="en-US" dirty="0">
-                <a:solidFill>
-                  <a:srgbClr val="FF0000"/>
-                </a:solidFill>
-              </a:rPr>
-              <a:t>What would you do next?</a:t>
-            </a:r>
-          </a:p>
-          <a:p>
-            <a:r>
-              <a:rPr lang="en-US" dirty="0">
-                <a:solidFill>
-                  <a:srgbClr val="FF0000"/>
-                </a:solidFill>
-              </a:rPr>
-              <a:t>What did you learn?</a:t>
-            </a:r>
-          </a:p>
-        </p:txBody>
-      </p:sp>
-    </p:spTree>
-    <p:extLst>
-      <p:ext uri="{BB962C8B-B14F-4D97-AF65-F5344CB8AC3E}">
-        <p14:creationId xmlns:p14="http://schemas.microsoft.com/office/powerpoint/2010/main" val="4080012012"/>
+        <p14:creationId xmlns:p14="http://schemas.microsoft.com/office/powerpoint/2010/main" val="4281233479"/>
       </p:ext>
     </p:extLst>
   </p:cSld>
